--- a/Final_Presentation.pptx
+++ b/Final_Presentation.pptx
@@ -7,12 +7,18 @@
   <p:sldIdLst>
     <p:sldId id="256" r:id="rId2"/>
     <p:sldId id="257" r:id="rId3"/>
-    <p:sldId id="258" r:id="rId4"/>
-    <p:sldId id="259" r:id="rId5"/>
-    <p:sldId id="260" r:id="rId6"/>
-    <p:sldId id="261" r:id="rId7"/>
-    <p:sldId id="262" r:id="rId8"/>
-    <p:sldId id="263" r:id="rId9"/>
+    <p:sldId id="269" r:id="rId4"/>
+    <p:sldId id="258" r:id="rId5"/>
+    <p:sldId id="264" r:id="rId6"/>
+    <p:sldId id="259" r:id="rId7"/>
+    <p:sldId id="268" r:id="rId8"/>
+    <p:sldId id="260" r:id="rId9"/>
+    <p:sldId id="261" r:id="rId10"/>
+    <p:sldId id="262" r:id="rId11"/>
+    <p:sldId id="265" r:id="rId12"/>
+    <p:sldId id="266" r:id="rId13"/>
+    <p:sldId id="267" r:id="rId14"/>
+    <p:sldId id="263" r:id="rId15"/>
   </p:sldIdLst>
   <p:sldSz cx="9144000" cy="6858000" type="screen4x3"/>
   <p:notesSz cx="6858000" cy="9144000"/>
@@ -2871,7 +2877,7 @@
           <a:p>
             <a:fld id="{66811FC8-8AB3-864F-867F-D949727E84CF}" type="datetimeFigureOut">
               <a:rPr lang="en-US" smtClean="0"/>
-              <a:t>7/28/15</a:t>
+              <a:t>7/29/15</a:t>
             </a:fld>
             <a:endParaRPr lang="en-US"/>
           </a:p>
@@ -3157,7 +3163,7 @@
           <a:p>
             <a:fld id="{66811FC8-8AB3-864F-867F-D949727E84CF}" type="datetimeFigureOut">
               <a:rPr lang="en-US" smtClean="0"/>
-              <a:t>7/28/15</a:t>
+              <a:t>7/29/15</a:t>
             </a:fld>
             <a:endParaRPr lang="en-US"/>
           </a:p>
@@ -3332,7 +3338,7 @@
           <a:p>
             <a:fld id="{66811FC8-8AB3-864F-867F-D949727E84CF}" type="datetimeFigureOut">
               <a:rPr lang="en-US" smtClean="0"/>
-              <a:t>7/28/15</a:t>
+              <a:t>7/29/15</a:t>
             </a:fld>
             <a:endParaRPr lang="en-US"/>
           </a:p>
@@ -3497,7 +3503,7 @@
           <a:p>
             <a:fld id="{66811FC8-8AB3-864F-867F-D949727E84CF}" type="datetimeFigureOut">
               <a:rPr lang="en-US" smtClean="0"/>
-              <a:t>7/28/15</a:t>
+              <a:t>7/29/15</a:t>
             </a:fld>
             <a:endParaRPr lang="en-US"/>
           </a:p>
@@ -3738,7 +3744,7 @@
           <a:p>
             <a:fld id="{66811FC8-8AB3-864F-867F-D949727E84CF}" type="datetimeFigureOut">
               <a:rPr lang="en-US" smtClean="0"/>
-              <a:t>7/28/15</a:t>
+              <a:t>7/29/15</a:t>
             </a:fld>
             <a:endParaRPr lang="en-US"/>
           </a:p>
@@ -3851,7 +3857,7 @@
           <a:p>
             <a:fld id="{66811FC8-8AB3-864F-867F-D949727E84CF}" type="datetimeFigureOut">
               <a:rPr lang="en-US" smtClean="0"/>
-              <a:t>7/28/15</a:t>
+              <a:t>7/29/15</a:t>
             </a:fld>
             <a:endParaRPr lang="en-US"/>
           </a:p>
@@ -4390,7 +4396,7 @@
           <a:p>
             <a:fld id="{66811FC8-8AB3-864F-867F-D949727E84CF}" type="datetimeFigureOut">
               <a:rPr lang="en-US" smtClean="0"/>
-              <a:t>7/28/15</a:t>
+              <a:t>7/29/15</a:t>
             </a:fld>
             <a:endParaRPr lang="en-US"/>
           </a:p>
@@ -4503,7 +4509,7 @@
           <a:p>
             <a:fld id="{66811FC8-8AB3-864F-867F-D949727E84CF}" type="datetimeFigureOut">
               <a:rPr lang="en-US" smtClean="0"/>
-              <a:t>7/28/15</a:t>
+              <a:t>7/29/15</a:t>
             </a:fld>
             <a:endParaRPr lang="en-US"/>
           </a:p>
@@ -4593,7 +4599,7 @@
           <a:p>
             <a:fld id="{66811FC8-8AB3-864F-867F-D949727E84CF}" type="datetimeFigureOut">
               <a:rPr lang="en-US" smtClean="0"/>
-              <a:t>7/28/15</a:t>
+              <a:t>7/29/15</a:t>
             </a:fld>
             <a:endParaRPr lang="en-US"/>
           </a:p>
@@ -7244,7 +7250,7 @@
           <a:p>
             <a:fld id="{66811FC8-8AB3-864F-867F-D949727E84CF}" type="datetimeFigureOut">
               <a:rPr lang="en-US" smtClean="0"/>
-              <a:t>7/28/15</a:t>
+              <a:t>7/29/15</a:t>
             </a:fld>
             <a:endParaRPr lang="en-US"/>
           </a:p>
@@ -10457,7 +10463,7 @@
           <a:p>
             <a:fld id="{66811FC8-8AB3-864F-867F-D949727E84CF}" type="datetimeFigureOut">
               <a:rPr lang="en-US" smtClean="0"/>
-              <a:t>7/28/15</a:t>
+              <a:t>7/29/15</a:t>
             </a:fld>
             <a:endParaRPr lang="en-US"/>
           </a:p>
@@ -13279,7 +13285,7 @@
           <a:p>
             <a:fld id="{66811FC8-8AB3-864F-867F-D949727E84CF}" type="datetimeFigureOut">
               <a:rPr lang="en-US" smtClean="0"/>
-              <a:t>7/28/15</a:t>
+              <a:t>7/29/15</a:t>
             </a:fld>
             <a:endParaRPr lang="en-US"/>
           </a:p>
@@ -13759,12 +13765,11 @@
           </a:bodyPr>
           <a:lstStyle/>
           <a:p>
-            <a:pPr algn="ctr"/>
-            <a:r>
-              <a:rPr lang="en-US" sz="4400" dirty="0" smtClean="0"/>
+            <a:r>
+              <a:rPr lang="en-US" sz="4000" dirty="0" smtClean="0"/>
               <a:t>Rendezvous</a:t>
             </a:r>
-            <a:endParaRPr lang="en-US" sz="4400" dirty="0"/>
+            <a:endParaRPr lang="en-US" dirty="0"/>
           </a:p>
         </p:txBody>
       </p:sp>
@@ -13780,8 +13785,8 @@
         </p:nvSpPr>
         <p:spPr>
           <a:xfrm>
-            <a:off x="4651371" y="2845707"/>
-            <a:ext cx="3503829" cy="2793093"/>
+            <a:off x="4651372" y="2447350"/>
+            <a:ext cx="3503828" cy="588602"/>
           </a:xfrm>
         </p:spPr>
         <p:txBody>
@@ -13791,65 +13796,9 @@
           <a:lstStyle/>
           <a:p>
             <a:r>
-              <a:rPr lang="en-US" dirty="0" smtClean="0"/>
-              <a:t>Nick </a:t>
-            </a:r>
-            <a:r>
-              <a:rPr lang="en-US" dirty="0" smtClean="0"/>
-              <a:t>Petty: Product Owner</a:t>
-            </a:r>
-          </a:p>
-          <a:p>
-            <a:r>
-              <a:rPr lang="en-US" dirty="0" err="1" smtClean="0"/>
-              <a:t>Caio</a:t>
-            </a:r>
-            <a:r>
-              <a:rPr lang="en-US" dirty="0" smtClean="0"/>
-              <a:t> </a:t>
-            </a:r>
-            <a:r>
-              <a:rPr lang="en-US" dirty="0" err="1" smtClean="0"/>
-              <a:t>Farias</a:t>
-            </a:r>
-            <a:r>
-              <a:rPr lang="en-US" dirty="0" smtClean="0"/>
-              <a:t>: Scrum Master</a:t>
-            </a:r>
-          </a:p>
-          <a:p>
-            <a:r>
-              <a:rPr lang="en-US" dirty="0" smtClean="0"/>
-              <a:t>Scott </a:t>
-            </a:r>
-            <a:r>
-              <a:rPr lang="en-US" dirty="0" err="1" smtClean="0"/>
-              <a:t>Hinden</a:t>
-            </a:r>
-            <a:r>
-              <a:rPr lang="en-US" dirty="0" smtClean="0"/>
-              <a:t>: Developer</a:t>
-            </a:r>
-            <a:endParaRPr lang="en-US" dirty="0" smtClean="0"/>
-          </a:p>
-          <a:p>
-            <a:r>
-              <a:rPr lang="en-US" dirty="0" err="1" smtClean="0"/>
-              <a:t>Avi</a:t>
-            </a:r>
-            <a:r>
-              <a:rPr lang="en-US" dirty="0" smtClean="0"/>
-              <a:t> </a:t>
-            </a:r>
-            <a:r>
-              <a:rPr lang="en-US" dirty="0" err="1" smtClean="0"/>
-              <a:t>Rao</a:t>
-            </a:r>
-            <a:r>
-              <a:rPr lang="en-US" dirty="0" smtClean="0"/>
-              <a:t>: Developer</a:t>
-            </a:r>
-            <a:endParaRPr lang="en-US" dirty="0"/>
+              <a:rPr lang="en-US" sz="2400" dirty="0" smtClean="0"/>
+              <a:t>Couch Level</a:t>
+            </a:r>
           </a:p>
         </p:txBody>
       </p:sp>
@@ -13857,6 +13806,537 @@
     <p:extLst>
       <p:ext uri="{BB962C8B-B14F-4D97-AF65-F5344CB8AC3E}">
         <p14:creationId xmlns:p14="http://schemas.microsoft.com/office/powerpoint/2010/main" val="3272807153"/>
+      </p:ext>
+    </p:extLst>
+  </p:cSld>
+  <p:clrMapOvr>
+    <a:masterClrMapping/>
+  </p:clrMapOvr>
+  <p:timing>
+    <p:tnLst>
+      <p:par>
+        <p:cTn xmlns:p14="http://schemas.microsoft.com/office/powerpoint/2010/main" id="1" dur="indefinite" restart="never" nodeType="tmRoot"/>
+      </p:par>
+    </p:tnLst>
+  </p:timing>
+</p:sld>
+</file>
+
+<file path=ppt/slides/slide10.xml><?xml version="1.0" encoding="utf-8"?>
+<p:sld xmlns:a="http://schemas.openxmlformats.org/drawingml/2006/main" xmlns:r="http://schemas.openxmlformats.org/officeDocument/2006/relationships" xmlns:p="http://schemas.openxmlformats.org/presentationml/2006/main">
+  <p:cSld>
+    <p:spTree>
+      <p:nvGrpSpPr>
+        <p:cNvPr id="1" name=""/>
+        <p:cNvGrpSpPr/>
+        <p:nvPr/>
+      </p:nvGrpSpPr>
+      <p:grpSpPr>
+        <a:xfrm>
+          <a:off x="0" y="0"/>
+          <a:ext cx="0" cy="0"/>
+          <a:chOff x="0" y="0"/>
+          <a:chExt cx="0" cy="0"/>
+        </a:xfrm>
+      </p:grpSpPr>
+      <p:sp>
+        <p:nvSpPr>
+          <p:cNvPr id="2" name="Title 1"/>
+          <p:cNvSpPr>
+            <a:spLocks noGrp="1"/>
+          </p:cNvSpPr>
+          <p:nvPr>
+            <p:ph type="title"/>
+          </p:nvPr>
+        </p:nvSpPr>
+        <p:spPr/>
+        <p:txBody>
+          <a:bodyPr/>
+          <a:lstStyle/>
+          <a:p>
+            <a:r>
+              <a:rPr lang="en-US" dirty="0" smtClean="0"/>
+              <a:t>Website</a:t>
+            </a:r>
+            <a:endParaRPr lang="en-US" dirty="0"/>
+          </a:p>
+        </p:txBody>
+      </p:sp>
+      <p:sp>
+        <p:nvSpPr>
+          <p:cNvPr id="3" name="Content Placeholder 2"/>
+          <p:cNvSpPr>
+            <a:spLocks noGrp="1"/>
+          </p:cNvSpPr>
+          <p:nvPr>
+            <p:ph idx="1"/>
+          </p:nvPr>
+        </p:nvSpPr>
+        <p:spPr>
+          <a:xfrm>
+            <a:off x="1043492" y="2323652"/>
+            <a:ext cx="7024742" cy="3508977"/>
+          </a:xfrm>
+        </p:spPr>
+        <p:txBody>
+          <a:bodyPr/>
+          <a:lstStyle/>
+          <a:p>
+            <a:r>
+              <a:rPr lang="en-US" dirty="0" smtClean="0"/>
+              <a:t>Developed with notepad++</a:t>
+            </a:r>
+          </a:p>
+          <a:p>
+            <a:r>
+              <a:rPr lang="en-US" dirty="0" smtClean="0"/>
+              <a:t>Written in HTML, CSS, JavaScript, PHP, MySQL</a:t>
+            </a:r>
+          </a:p>
+          <a:p>
+            <a:r>
+              <a:rPr lang="en-US" dirty="0" smtClean="0"/>
+              <a:t>Deployed on FAU LAMP server</a:t>
+            </a:r>
+          </a:p>
+          <a:p>
+            <a:r>
+              <a:rPr lang="en-US" dirty="0" smtClean="0"/>
+              <a:t>Templates from Bootstrap</a:t>
+            </a:r>
+          </a:p>
+          <a:p>
+            <a:r>
+              <a:rPr lang="en-US" dirty="0" smtClean="0"/>
+              <a:t>Optimized for desktop browsers, mobile responsive</a:t>
+            </a:r>
+          </a:p>
+        </p:txBody>
+      </p:sp>
+    </p:spTree>
+    <p:extLst>
+      <p:ext uri="{BB962C8B-B14F-4D97-AF65-F5344CB8AC3E}">
+        <p14:creationId xmlns:p14="http://schemas.microsoft.com/office/powerpoint/2010/main" val="3195189528"/>
+      </p:ext>
+    </p:extLst>
+  </p:cSld>
+  <p:clrMapOvr>
+    <a:masterClrMapping/>
+  </p:clrMapOvr>
+  <p:timing>
+    <p:tnLst>
+      <p:par>
+        <p:cTn xmlns:p14="http://schemas.microsoft.com/office/powerpoint/2010/main" id="1" dur="indefinite" restart="never" nodeType="tmRoot"/>
+      </p:par>
+    </p:tnLst>
+  </p:timing>
+</p:sld>
+</file>
+
+<file path=ppt/slides/slide11.xml><?xml version="1.0" encoding="utf-8"?>
+<p:sld xmlns:a="http://schemas.openxmlformats.org/drawingml/2006/main" xmlns:r="http://schemas.openxmlformats.org/officeDocument/2006/relationships" xmlns:p="http://schemas.openxmlformats.org/presentationml/2006/main">
+  <p:cSld>
+    <p:spTree>
+      <p:nvGrpSpPr>
+        <p:cNvPr id="1" name=""/>
+        <p:cNvGrpSpPr/>
+        <p:nvPr/>
+      </p:nvGrpSpPr>
+      <p:grpSpPr>
+        <a:xfrm>
+          <a:off x="0" y="0"/>
+          <a:ext cx="0" cy="0"/>
+          <a:chOff x="0" y="0"/>
+          <a:chExt cx="0" cy="0"/>
+        </a:xfrm>
+      </p:grpSpPr>
+      <p:sp>
+        <p:nvSpPr>
+          <p:cNvPr id="2" name="Title 1"/>
+          <p:cNvSpPr>
+            <a:spLocks noGrp="1"/>
+          </p:cNvSpPr>
+          <p:nvPr>
+            <p:ph type="title"/>
+          </p:nvPr>
+        </p:nvSpPr>
+        <p:spPr/>
+        <p:txBody>
+          <a:bodyPr>
+            <a:normAutofit/>
+          </a:bodyPr>
+          <a:lstStyle/>
+          <a:p>
+            <a:r>
+              <a:rPr lang="en-US" dirty="0" smtClean="0"/>
+              <a:t>Where We Are</a:t>
+            </a:r>
+            <a:endParaRPr lang="en-US" dirty="0"/>
+          </a:p>
+        </p:txBody>
+      </p:sp>
+      <p:sp>
+        <p:nvSpPr>
+          <p:cNvPr id="3" name="Content Placeholder 2"/>
+          <p:cNvSpPr>
+            <a:spLocks noGrp="1"/>
+          </p:cNvSpPr>
+          <p:nvPr>
+            <p:ph idx="1"/>
+          </p:nvPr>
+        </p:nvSpPr>
+        <p:spPr/>
+        <p:txBody>
+          <a:bodyPr/>
+          <a:lstStyle/>
+          <a:p>
+            <a:r>
+              <a:rPr lang="en-US" dirty="0" smtClean="0"/>
+              <a:t>Welcome page</a:t>
+            </a:r>
+          </a:p>
+          <a:p>
+            <a:r>
+              <a:rPr lang="en-US" dirty="0" smtClean="0"/>
+              <a:t>Creating an account</a:t>
+            </a:r>
+          </a:p>
+          <a:p>
+            <a:r>
+              <a:rPr lang="en-US" dirty="0" smtClean="0"/>
+              <a:t>Creating and joining events</a:t>
+            </a:r>
+          </a:p>
+          <a:p>
+            <a:r>
+              <a:rPr lang="en-US" dirty="0" smtClean="0"/>
+              <a:t>Joining activities</a:t>
+            </a:r>
+          </a:p>
+          <a:p>
+            <a:r>
+              <a:rPr lang="en-US" dirty="0" smtClean="0"/>
+              <a:t>Adding cover photos to events</a:t>
+            </a:r>
+            <a:endParaRPr lang="en-US" dirty="0"/>
+          </a:p>
+        </p:txBody>
+      </p:sp>
+    </p:spTree>
+    <p:extLst>
+      <p:ext uri="{BB962C8B-B14F-4D97-AF65-F5344CB8AC3E}">
+        <p14:creationId xmlns:p14="http://schemas.microsoft.com/office/powerpoint/2010/main" val="2782377360"/>
+      </p:ext>
+    </p:extLst>
+  </p:cSld>
+  <p:clrMapOvr>
+    <a:masterClrMapping/>
+  </p:clrMapOvr>
+  <p:timing>
+    <p:tnLst>
+      <p:par>
+        <p:cTn xmlns:p14="http://schemas.microsoft.com/office/powerpoint/2010/main" id="1" dur="indefinite" restart="never" nodeType="tmRoot"/>
+      </p:par>
+    </p:tnLst>
+  </p:timing>
+</p:sld>
+</file>
+
+<file path=ppt/slides/slide12.xml><?xml version="1.0" encoding="utf-8"?>
+<p:sld xmlns:a="http://schemas.openxmlformats.org/drawingml/2006/main" xmlns:r="http://schemas.openxmlformats.org/officeDocument/2006/relationships" xmlns:p="http://schemas.openxmlformats.org/presentationml/2006/main">
+  <p:cSld>
+    <p:spTree>
+      <p:nvGrpSpPr>
+        <p:cNvPr id="1" name=""/>
+        <p:cNvGrpSpPr/>
+        <p:nvPr/>
+      </p:nvGrpSpPr>
+      <p:grpSpPr>
+        <a:xfrm>
+          <a:off x="0" y="0"/>
+          <a:ext cx="0" cy="0"/>
+          <a:chOff x="0" y="0"/>
+          <a:chExt cx="0" cy="0"/>
+        </a:xfrm>
+      </p:grpSpPr>
+      <p:sp>
+        <p:nvSpPr>
+          <p:cNvPr id="2" name="Title 1"/>
+          <p:cNvSpPr>
+            <a:spLocks noGrp="1"/>
+          </p:cNvSpPr>
+          <p:nvPr>
+            <p:ph type="title"/>
+          </p:nvPr>
+        </p:nvSpPr>
+        <p:spPr/>
+        <p:txBody>
+          <a:bodyPr/>
+          <a:lstStyle/>
+          <a:p>
+            <a:r>
+              <a:rPr lang="en-US" dirty="0" smtClean="0"/>
+              <a:t>Where We’re Going</a:t>
+            </a:r>
+            <a:endParaRPr lang="en-US" dirty="0"/>
+          </a:p>
+        </p:txBody>
+      </p:sp>
+      <p:sp>
+        <p:nvSpPr>
+          <p:cNvPr id="3" name="Content Placeholder 2"/>
+          <p:cNvSpPr>
+            <a:spLocks noGrp="1"/>
+          </p:cNvSpPr>
+          <p:nvPr>
+            <p:ph idx="1"/>
+          </p:nvPr>
+        </p:nvSpPr>
+        <p:spPr>
+          <a:xfrm>
+            <a:off x="1043492" y="2323652"/>
+            <a:ext cx="6777317" cy="3779232"/>
+          </a:xfrm>
+        </p:spPr>
+        <p:txBody>
+          <a:bodyPr>
+            <a:normAutofit lnSpcReduction="10000"/>
+          </a:bodyPr>
+          <a:lstStyle/>
+          <a:p>
+            <a:r>
+              <a:rPr lang="en-US" dirty="0"/>
+              <a:t>Product </a:t>
+            </a:r>
+            <a:r>
+              <a:rPr lang="en-US" dirty="0" smtClean="0"/>
+              <a:t>testing</a:t>
+            </a:r>
+          </a:p>
+          <a:p>
+            <a:r>
+              <a:rPr lang="en-US" dirty="0" smtClean="0"/>
+              <a:t>Events calendar</a:t>
+            </a:r>
+          </a:p>
+          <a:p>
+            <a:r>
+              <a:rPr lang="en-US" dirty="0" smtClean="0"/>
+              <a:t>Creating activities</a:t>
+            </a:r>
+          </a:p>
+          <a:p>
+            <a:r>
+              <a:rPr lang="en-US" dirty="0" smtClean="0"/>
+              <a:t>Maps</a:t>
+            </a:r>
+          </a:p>
+          <a:p>
+            <a:r>
+              <a:rPr lang="en-US" dirty="0" smtClean="0"/>
+              <a:t>Messages</a:t>
+            </a:r>
+          </a:p>
+          <a:p>
+            <a:r>
+              <a:rPr lang="en-US" dirty="0" smtClean="0"/>
+              <a:t>Notifications</a:t>
+            </a:r>
+          </a:p>
+          <a:p>
+            <a:r>
+              <a:rPr lang="en-US" dirty="0" smtClean="0"/>
+              <a:t>Search</a:t>
+            </a:r>
+          </a:p>
+          <a:p>
+            <a:pPr marL="68580" indent="0">
+              <a:buNone/>
+            </a:pPr>
+            <a:endParaRPr lang="en-US" dirty="0" smtClean="0"/>
+          </a:p>
+          <a:p>
+            <a:pPr marL="68580" indent="0">
+              <a:buNone/>
+            </a:pPr>
+            <a:r>
+              <a:rPr lang="en-US" dirty="0" smtClean="0"/>
+              <a:t>Always more to do, never enough time.</a:t>
+            </a:r>
+          </a:p>
+        </p:txBody>
+      </p:sp>
+    </p:spTree>
+    <p:extLst>
+      <p:ext uri="{BB962C8B-B14F-4D97-AF65-F5344CB8AC3E}">
+        <p14:creationId xmlns:p14="http://schemas.microsoft.com/office/powerpoint/2010/main" val="1957811851"/>
+      </p:ext>
+    </p:extLst>
+  </p:cSld>
+  <p:clrMapOvr>
+    <a:masterClrMapping/>
+  </p:clrMapOvr>
+  <p:timing>
+    <p:tnLst>
+      <p:par>
+        <p:cTn xmlns:p14="http://schemas.microsoft.com/office/powerpoint/2010/main" id="1" dur="indefinite" restart="never" nodeType="tmRoot"/>
+      </p:par>
+    </p:tnLst>
+  </p:timing>
+</p:sld>
+</file>
+
+<file path=ppt/slides/slide13.xml><?xml version="1.0" encoding="utf-8"?>
+<p:sld xmlns:a="http://schemas.openxmlformats.org/drawingml/2006/main" xmlns:r="http://schemas.openxmlformats.org/officeDocument/2006/relationships" xmlns:p="http://schemas.openxmlformats.org/presentationml/2006/main">
+  <p:cSld>
+    <p:spTree>
+      <p:nvGrpSpPr>
+        <p:cNvPr id="1" name=""/>
+        <p:cNvGrpSpPr/>
+        <p:nvPr/>
+      </p:nvGrpSpPr>
+      <p:grpSpPr>
+        <a:xfrm>
+          <a:off x="0" y="0"/>
+          <a:ext cx="0" cy="0"/>
+          <a:chOff x="0" y="0"/>
+          <a:chExt cx="0" cy="0"/>
+        </a:xfrm>
+      </p:grpSpPr>
+      <p:sp>
+        <p:nvSpPr>
+          <p:cNvPr id="2" name="Title 1"/>
+          <p:cNvSpPr>
+            <a:spLocks noGrp="1"/>
+          </p:cNvSpPr>
+          <p:nvPr>
+            <p:ph type="title"/>
+          </p:nvPr>
+        </p:nvSpPr>
+        <p:spPr/>
+        <p:txBody>
+          <a:bodyPr/>
+          <a:lstStyle/>
+          <a:p>
+            <a:r>
+              <a:rPr lang="en-US" dirty="0" smtClean="0"/>
+              <a:t>What We’ve Learned</a:t>
+            </a:r>
+            <a:endParaRPr lang="en-US" dirty="0"/>
+          </a:p>
+        </p:txBody>
+      </p:sp>
+      <p:sp>
+        <p:nvSpPr>
+          <p:cNvPr id="3" name="Content Placeholder 2"/>
+          <p:cNvSpPr>
+            <a:spLocks noGrp="1"/>
+          </p:cNvSpPr>
+          <p:nvPr>
+            <p:ph idx="1"/>
+          </p:nvPr>
+        </p:nvSpPr>
+        <p:spPr/>
+        <p:txBody>
+          <a:bodyPr/>
+          <a:lstStyle/>
+          <a:p>
+            <a:r>
+              <a:rPr lang="en-US" dirty="0" smtClean="0"/>
+              <a:t>Delegation matters, one person can’t do everything.</a:t>
+            </a:r>
+          </a:p>
+          <a:p>
+            <a:r>
+              <a:rPr lang="en-US" dirty="0" smtClean="0"/>
+              <a:t>Communicate, ask for help and clarification, let others know what you’re doing.</a:t>
+            </a:r>
+          </a:p>
+          <a:p>
+            <a:r>
+              <a:rPr lang="en-US" dirty="0" smtClean="0"/>
+              <a:t>Be flexible, things will rarely go your way.</a:t>
+            </a:r>
+          </a:p>
+          <a:p>
+            <a:r>
+              <a:rPr lang="en-US" dirty="0" smtClean="0"/>
+              <a:t>Plan ahead, get started early.</a:t>
+            </a:r>
+          </a:p>
+        </p:txBody>
+      </p:sp>
+    </p:spTree>
+    <p:extLst>
+      <p:ext uri="{BB962C8B-B14F-4D97-AF65-F5344CB8AC3E}">
+        <p14:creationId xmlns:p14="http://schemas.microsoft.com/office/powerpoint/2010/main" val="2527913025"/>
+      </p:ext>
+    </p:extLst>
+  </p:cSld>
+  <p:clrMapOvr>
+    <a:masterClrMapping/>
+  </p:clrMapOvr>
+  <p:timing>
+    <p:tnLst>
+      <p:par>
+        <p:cTn xmlns:p14="http://schemas.microsoft.com/office/powerpoint/2010/main" id="1" dur="indefinite" restart="never" nodeType="tmRoot"/>
+      </p:par>
+    </p:tnLst>
+  </p:timing>
+</p:sld>
+</file>
+
+<file path=ppt/slides/slide14.xml><?xml version="1.0" encoding="utf-8"?>
+<p:sld xmlns:a="http://schemas.openxmlformats.org/drawingml/2006/main" xmlns:r="http://schemas.openxmlformats.org/officeDocument/2006/relationships" xmlns:p="http://schemas.openxmlformats.org/presentationml/2006/main">
+  <p:cSld>
+    <p:spTree>
+      <p:nvGrpSpPr>
+        <p:cNvPr id="1" name=""/>
+        <p:cNvGrpSpPr/>
+        <p:nvPr/>
+      </p:nvGrpSpPr>
+      <p:grpSpPr>
+        <a:xfrm>
+          <a:off x="0" y="0"/>
+          <a:ext cx="0" cy="0"/>
+          <a:chOff x="0" y="0"/>
+          <a:chExt cx="0" cy="0"/>
+        </a:xfrm>
+      </p:grpSpPr>
+      <p:sp>
+        <p:nvSpPr>
+          <p:cNvPr id="2" name="Title 1"/>
+          <p:cNvSpPr>
+            <a:spLocks noGrp="1"/>
+          </p:cNvSpPr>
+          <p:nvPr>
+            <p:ph type="ctrTitle"/>
+          </p:nvPr>
+        </p:nvSpPr>
+        <p:spPr>
+          <a:xfrm>
+            <a:off x="4666672" y="780274"/>
+            <a:ext cx="3471851" cy="1427235"/>
+          </a:xfrm>
+        </p:spPr>
+        <p:txBody>
+          <a:bodyPr>
+            <a:normAutofit/>
+          </a:bodyPr>
+          <a:lstStyle/>
+          <a:p>
+            <a:r>
+              <a:rPr lang="en-US" sz="4000" dirty="0" smtClean="0"/>
+              <a:t>Thank you</a:t>
+            </a:r>
+            <a:endParaRPr lang="en-US" sz="4000" dirty="0"/>
+          </a:p>
+        </p:txBody>
+      </p:sp>
+    </p:spTree>
+    <p:extLst>
+      <p:ext uri="{BB962C8B-B14F-4D97-AF65-F5344CB8AC3E}">
+        <p14:creationId xmlns:p14="http://schemas.microsoft.com/office/powerpoint/2010/main" val="4203645052"/>
       </p:ext>
     </p:extLst>
   </p:cSld>
@@ -13923,8 +14403,8 @@
         </p:nvSpPr>
         <p:spPr>
           <a:xfrm>
-            <a:off x="1043490" y="3009900"/>
-            <a:ext cx="7024744" cy="1752600"/>
+            <a:off x="1043490" y="2462839"/>
+            <a:ext cx="7024744" cy="3640045"/>
           </a:xfrm>
           <a:prstGeom prst="rect">
             <a:avLst/>
@@ -13932,7 +14412,7 @@
         </p:spPr>
         <p:txBody>
           <a:bodyPr vert="horz" lIns="91440" tIns="45720" rIns="91440" bIns="45720" rtlCol="0">
-            <a:normAutofit fontScale="70000" lnSpcReduction="20000"/>
+            <a:normAutofit fontScale="62500" lnSpcReduction="20000"/>
           </a:bodyPr>
           <a:lstStyle>
             <a:lvl1pPr marL="342900" indent="-342900" algn="l" defTabSz="457200" rtl="0" eaLnBrk="1" latinLnBrk="0" hangingPunct="1">
@@ -14072,39 +14552,113 @@
             </a:lvl9pPr>
           </a:lstStyle>
           <a:p>
-            <a:pPr marL="457200" indent="-457200"/>
+            <a:pPr marL="0" indent="0">
+              <a:buNone/>
+            </a:pPr>
             <a:r>
               <a:rPr lang="en-US" dirty="0" smtClean="0"/>
-              <a:t>Overview</a:t>
-            </a:r>
-          </a:p>
-          <a:p>
-            <a:pPr marL="457200" indent="-457200"/>
+              <a:t>Team</a:t>
+            </a:r>
+          </a:p>
+          <a:p>
+            <a:pPr marL="0" indent="0">
+              <a:buNone/>
+            </a:pPr>
             <a:r>
               <a:rPr lang="en-US" dirty="0" smtClean="0"/>
-              <a:t>Organizational Tools </a:t>
-            </a:r>
-          </a:p>
-          <a:p>
-            <a:pPr marL="457200" indent="-457200"/>
+              <a:t>Product Overview</a:t>
+            </a:r>
+          </a:p>
+          <a:p>
+            <a:pPr marL="0" indent="0">
+              <a:buNone/>
+            </a:pPr>
+            <a:r>
+              <a:rPr lang="en-US" dirty="0" smtClean="0"/>
+              <a:t>Service Overview</a:t>
+            </a:r>
+            <a:endParaRPr lang="en-US" dirty="0" smtClean="0"/>
+          </a:p>
+          <a:p>
+            <a:pPr marL="0" indent="0">
+              <a:buNone/>
+            </a:pPr>
+            <a:r>
+              <a:rPr lang="en-US" dirty="0" smtClean="0"/>
+              <a:t>Organizational </a:t>
+            </a:r>
+            <a:r>
+              <a:rPr lang="en-US" dirty="0" smtClean="0"/>
+              <a:t>Tools</a:t>
+            </a:r>
+          </a:p>
+          <a:p>
+            <a:pPr marL="0" indent="0">
+              <a:buNone/>
+            </a:pPr>
+            <a:r>
+              <a:rPr lang="en-US" dirty="0" smtClean="0"/>
+              <a:t>Links</a:t>
+            </a:r>
+            <a:endParaRPr lang="en-US" dirty="0" smtClean="0"/>
+          </a:p>
+          <a:p>
+            <a:pPr marL="0" indent="0">
+              <a:buNone/>
+            </a:pPr>
             <a:r>
               <a:rPr lang="en-US" dirty="0" smtClean="0"/>
               <a:t>UI Design</a:t>
             </a:r>
           </a:p>
           <a:p>
-            <a:pPr marL="457200" indent="-457200"/>
+            <a:pPr marL="0" indent="0">
+              <a:buNone/>
+            </a:pPr>
             <a:r>
               <a:rPr lang="en-US" dirty="0" smtClean="0"/>
               <a:t>Use Cases</a:t>
             </a:r>
           </a:p>
           <a:p>
-            <a:pPr marL="457200" indent="-457200"/>
+            <a:pPr marL="0" indent="0">
+              <a:buNone/>
+            </a:pPr>
             <a:r>
               <a:rPr lang="en-US" dirty="0" smtClean="0"/>
               <a:t>Website</a:t>
             </a:r>
+          </a:p>
+          <a:p>
+            <a:pPr marL="0" indent="0">
+              <a:buNone/>
+            </a:pPr>
+            <a:r>
+              <a:rPr lang="en-US" dirty="0" smtClean="0"/>
+              <a:t>Where We Are</a:t>
+            </a:r>
+          </a:p>
+          <a:p>
+            <a:pPr marL="0" indent="0">
+              <a:buNone/>
+            </a:pPr>
+            <a:r>
+              <a:rPr lang="en-US" dirty="0" smtClean="0"/>
+              <a:t>Where We’re Going</a:t>
+            </a:r>
+          </a:p>
+          <a:p>
+            <a:pPr marL="0" indent="0">
+              <a:buNone/>
+            </a:pPr>
+            <a:r>
+              <a:rPr lang="en-US" dirty="0" smtClean="0"/>
+              <a:t>What We’ve Learned</a:t>
+            </a:r>
+            <a:endParaRPr lang="en-US" dirty="0" smtClean="0"/>
+          </a:p>
+          <a:p>
+            <a:pPr marL="457200" indent="-457200"/>
             <a:endParaRPr lang="en-US" dirty="0"/>
           </a:p>
         </p:txBody>
@@ -14163,7 +14717,7 @@
           <a:p>
             <a:r>
               <a:rPr lang="en-US" dirty="0" smtClean="0"/>
-              <a:t>Product Overview</a:t>
+              <a:t>Team</a:t>
             </a:r>
             <a:endParaRPr lang="en-US" dirty="0"/>
           </a:p>
@@ -14179,41 +14733,102 @@
             <p:ph idx="1"/>
           </p:nvPr>
         </p:nvSpPr>
-        <p:spPr>
-          <a:xfrm>
-            <a:off x="1043490" y="2323652"/>
-            <a:ext cx="7024744" cy="3508977"/>
-          </a:xfrm>
-        </p:spPr>
+        <p:spPr/>
         <p:txBody>
           <a:bodyPr/>
           <a:lstStyle/>
           <a:p>
-            <a:r>
-              <a:rPr lang="en-US" dirty="0" smtClean="0"/>
-              <a:t>Rendezvous is a platform for people to connect through shared-interest outdoor events.</a:t>
-            </a:r>
-          </a:p>
-          <a:p>
-            <a:r>
-              <a:rPr lang="en-US" dirty="0" smtClean="0"/>
-              <a:t>Our competitive advantage is our easy of use and controlled event visibility.</a:t>
-            </a:r>
-          </a:p>
-          <a:p>
-            <a:pPr marL="0" indent="0">
+            <a:pPr marL="68580" indent="0">
               <a:buNone/>
             </a:pPr>
+            <a:r>
+              <a:rPr lang="en-US" dirty="0"/>
+              <a:t>Nick Petty: Product </a:t>
+            </a:r>
+            <a:r>
+              <a:rPr lang="en-US" dirty="0" smtClean="0"/>
+              <a:t>Owner, UI Designer</a:t>
+            </a:r>
             <a:endParaRPr lang="en-US" dirty="0"/>
           </a:p>
           <a:p>
-            <a:pPr marL="0" indent="0">
+            <a:pPr marL="68580" indent="0">
               <a:buNone/>
             </a:pPr>
             <a:r>
+              <a:rPr lang="en-US" dirty="0" err="1"/>
+              <a:t>Caio</a:t>
+            </a:r>
+            <a:r>
+              <a:rPr lang="en-US" dirty="0"/>
+              <a:t> </a:t>
+            </a:r>
+            <a:r>
+              <a:rPr lang="en-US" dirty="0" err="1"/>
+              <a:t>Farias</a:t>
+            </a:r>
+            <a:r>
+              <a:rPr lang="en-US" dirty="0"/>
+              <a:t>: Scrum </a:t>
+            </a:r>
+            <a:r>
               <a:rPr lang="en-US" dirty="0" smtClean="0"/>
-              <a:t>Specific terminology – events and activities.</a:t>
-            </a:r>
+              <a:t>Master, Website Creator</a:t>
+            </a:r>
+            <a:endParaRPr lang="en-US" dirty="0"/>
+          </a:p>
+          <a:p>
+            <a:pPr marL="68580" indent="0">
+              <a:buNone/>
+            </a:pPr>
+            <a:r>
+              <a:rPr lang="en-US" dirty="0"/>
+              <a:t>Scott </a:t>
+            </a:r>
+            <a:r>
+              <a:rPr lang="en-US" dirty="0" err="1"/>
+              <a:t>Hinden</a:t>
+            </a:r>
+            <a:r>
+              <a:rPr lang="en-US" dirty="0"/>
+              <a:t>: </a:t>
+            </a:r>
+            <a:r>
+              <a:rPr lang="en-US" dirty="0" smtClean="0"/>
+              <a:t>Developer, Tester</a:t>
+            </a:r>
+            <a:endParaRPr lang="en-US" dirty="0"/>
+          </a:p>
+          <a:p>
+            <a:pPr marL="68580" indent="0">
+              <a:buNone/>
+            </a:pPr>
+            <a:r>
+              <a:rPr lang="en-US" dirty="0" err="1"/>
+              <a:t>Avi</a:t>
+            </a:r>
+            <a:r>
+              <a:rPr lang="en-US" dirty="0"/>
+              <a:t> </a:t>
+            </a:r>
+            <a:r>
+              <a:rPr lang="en-US" dirty="0" err="1"/>
+              <a:t>Rao</a:t>
+            </a:r>
+            <a:r>
+              <a:rPr lang="en-US" dirty="0"/>
+              <a:t>: </a:t>
+            </a:r>
+            <a:r>
+              <a:rPr lang="en-US" dirty="0" smtClean="0"/>
+              <a:t>Developer, Use Case Planner</a:t>
+            </a:r>
+            <a:endParaRPr lang="en-US" dirty="0"/>
+          </a:p>
+          <a:p>
+            <a:pPr marL="68580" indent="0">
+              <a:buNone/>
+            </a:pPr>
             <a:endParaRPr lang="en-US" dirty="0"/>
           </a:p>
         </p:txBody>
@@ -14221,7 +14836,7 @@
     </p:spTree>
     <p:extLst>
       <p:ext uri="{BB962C8B-B14F-4D97-AF65-F5344CB8AC3E}">
-        <p14:creationId xmlns:p14="http://schemas.microsoft.com/office/powerpoint/2010/main" val="1031604490"/>
+        <p14:creationId xmlns:p14="http://schemas.microsoft.com/office/powerpoint/2010/main" val="2487111497"/>
       </p:ext>
     </p:extLst>
   </p:cSld>
@@ -14272,7 +14887,7 @@
           <a:p>
             <a:r>
               <a:rPr lang="en-US" dirty="0" smtClean="0"/>
-              <a:t>Organizational Tools</a:t>
+              <a:t>Product Overview</a:t>
             </a:r>
             <a:endParaRPr lang="en-US" dirty="0"/>
           </a:p>
@@ -14290,8 +14905,8 @@
         </p:nvSpPr>
         <p:spPr>
           <a:xfrm>
-            <a:off x="1043492" y="2323652"/>
-            <a:ext cx="7024742" cy="3508977"/>
+            <a:off x="1043490" y="2323652"/>
+            <a:ext cx="7024744" cy="3508977"/>
           </a:xfrm>
         </p:spPr>
         <p:txBody>
@@ -14300,55 +14915,58 @@
           <a:p>
             <a:r>
               <a:rPr lang="en-US" dirty="0" smtClean="0"/>
-              <a:t>Team management – FAU Blackboard</a:t>
-            </a:r>
-          </a:p>
-          <a:p>
-            <a:r>
-              <a:rPr lang="en-US" dirty="0" err="1" smtClean="0"/>
-              <a:t>Taskboard</a:t>
-            </a:r>
+              <a:t>Rendezvous is a platform for people to connect through shared-interest outdoor events.</a:t>
+            </a:r>
+          </a:p>
+          <a:p>
             <a:r>
               <a:rPr lang="en-US" dirty="0" smtClean="0"/>
-              <a:t> – </a:t>
-            </a:r>
-            <a:r>
-              <a:rPr lang="en-US" dirty="0" err="1" smtClean="0"/>
-              <a:t>Someone.io</a:t>
+              <a:t>Our competitive advantage is our </a:t>
+            </a:r>
+            <a:r>
+              <a:rPr lang="en-US" dirty="0" smtClean="0"/>
+              <a:t>focused feature, ease </a:t>
+            </a:r>
+            <a:r>
+              <a:rPr lang="en-US" dirty="0" smtClean="0"/>
+              <a:t>of </a:t>
+            </a:r>
+            <a:r>
+              <a:rPr lang="en-US" dirty="0" smtClean="0"/>
+              <a:t>use, </a:t>
+            </a:r>
+            <a:r>
+              <a:rPr lang="en-US" dirty="0" smtClean="0"/>
+              <a:t>and controlled event visibility</a:t>
+            </a:r>
+            <a:r>
+              <a:rPr lang="en-US" dirty="0" smtClean="0"/>
+              <a:t>.</a:t>
+            </a:r>
+          </a:p>
+          <a:p>
+            <a:r>
+              <a:rPr lang="en-US" dirty="0"/>
+              <a:t>T</a:t>
+            </a:r>
+            <a:r>
+              <a:rPr lang="en-US" dirty="0" smtClean="0"/>
+              <a:t>his service targets active adults and requires little technical skill.</a:t>
             </a:r>
             <a:endParaRPr lang="en-US" dirty="0" smtClean="0"/>
           </a:p>
           <a:p>
-            <a:r>
-              <a:rPr lang="en-US" dirty="0" smtClean="0"/>
-              <a:t>Document and code management – </a:t>
-            </a:r>
-            <a:r>
-              <a:rPr lang="en-US" dirty="0" err="1" smtClean="0"/>
-              <a:t>GitHub</a:t>
-            </a:r>
-            <a:r>
-              <a:rPr lang="en-US" dirty="0" smtClean="0"/>
-              <a:t>, </a:t>
-            </a:r>
-            <a:r>
-              <a:rPr lang="en-US" dirty="0" err="1" smtClean="0"/>
-              <a:t>SourceTree</a:t>
-            </a:r>
+            <a:pPr marL="0" indent="0">
+              <a:buNone/>
+            </a:pPr>
             <a:endParaRPr lang="en-US" dirty="0"/>
-          </a:p>
-          <a:p>
-            <a:r>
-              <a:rPr lang="en-US" dirty="0" smtClean="0"/>
-              <a:t>General communication – text messages, email</a:t>
-            </a:r>
           </a:p>
         </p:txBody>
       </p:sp>
     </p:spTree>
     <p:extLst>
       <p:ext uri="{BB962C8B-B14F-4D97-AF65-F5344CB8AC3E}">
-        <p14:creationId xmlns:p14="http://schemas.microsoft.com/office/powerpoint/2010/main" val="2421862057"/>
+        <p14:creationId xmlns:p14="http://schemas.microsoft.com/office/powerpoint/2010/main" val="1031604490"/>
       </p:ext>
     </p:extLst>
   </p:cSld>
@@ -14399,7 +15017,7 @@
           <a:p>
             <a:r>
               <a:rPr lang="en-US" dirty="0" smtClean="0"/>
-              <a:t>UI Design</a:t>
+              <a:t>Service Overview</a:t>
             </a:r>
             <a:endParaRPr lang="en-US" dirty="0"/>
           </a:p>
@@ -14425,26 +15043,27 @@
           <a:bodyPr/>
           <a:lstStyle/>
           <a:p>
+            <a:pPr marL="0" indent="0">
+              <a:buNone/>
+            </a:pPr>
             <a:r>
               <a:rPr lang="en-US" dirty="0" smtClean="0"/>
-              <a:t>Layout tool – </a:t>
-            </a:r>
-            <a:r>
-              <a:rPr lang="en-US" dirty="0" err="1" smtClean="0"/>
-              <a:t>Balsamiq</a:t>
-            </a:r>
+              <a:t>Specific terminology – activities and events.</a:t>
+            </a:r>
+          </a:p>
+          <a:p>
+            <a:pPr marL="0" indent="0">
+              <a:buNone/>
+            </a:pPr>
             <a:endParaRPr lang="en-US" dirty="0" smtClean="0"/>
           </a:p>
           <a:p>
+            <a:pPr marL="0" indent="0">
+              <a:buNone/>
+            </a:pPr>
             <a:r>
               <a:rPr lang="en-US" dirty="0" smtClean="0"/>
-              <a:t>Color scheme – green, grey, white</a:t>
-            </a:r>
-          </a:p>
-          <a:p>
-            <a:r>
-              <a:rPr lang="en-US" dirty="0" smtClean="0"/>
-              <a:t>Simple – most usage done in one page view</a:t>
+              <a:t>Through our website, users join the service.  They can view lists of activities and events, then join or create events based on these activities.</a:t>
             </a:r>
             <a:endParaRPr lang="en-US" dirty="0"/>
           </a:p>
@@ -14453,7 +15072,7 @@
     </p:spTree>
     <p:extLst>
       <p:ext uri="{BB962C8B-B14F-4D97-AF65-F5344CB8AC3E}">
-        <p14:creationId xmlns:p14="http://schemas.microsoft.com/office/powerpoint/2010/main" val="1432855580"/>
+        <p14:creationId xmlns:p14="http://schemas.microsoft.com/office/powerpoint/2010/main" val="3948073654"/>
       </p:ext>
     </p:extLst>
   </p:cSld>
@@ -14504,7 +15123,7 @@
           <a:p>
             <a:r>
               <a:rPr lang="en-US" dirty="0" smtClean="0"/>
-              <a:t>Use Cases</a:t>
+              <a:t>Organizational Tools</a:t>
             </a:r>
             <a:endParaRPr lang="en-US" dirty="0"/>
           </a:p>
@@ -14532,43 +15151,55 @@
           <a:p>
             <a:r>
               <a:rPr lang="en-US" dirty="0" smtClean="0"/>
-              <a:t>Make an Account</a:t>
-            </a:r>
-          </a:p>
-          <a:p>
+              <a:t>Team management – FAU Blackboard</a:t>
+            </a:r>
+          </a:p>
+          <a:p>
+            <a:r>
+              <a:rPr lang="en-US" dirty="0" err="1" smtClean="0"/>
+              <a:t>Taskboard</a:t>
+            </a:r>
             <a:r>
               <a:rPr lang="en-US" dirty="0" smtClean="0"/>
-              <a:t>Join Event</a:t>
-            </a:r>
-          </a:p>
-          <a:p>
+              <a:t> – </a:t>
+            </a:r>
             <a:r>
               <a:rPr lang="en-US" dirty="0" smtClean="0"/>
-              <a:t>Create Event</a:t>
-            </a:r>
+              <a:t>Someone</a:t>
+            </a:r>
+            <a:endParaRPr lang="en-US" dirty="0" smtClean="0"/>
           </a:p>
           <a:p>
             <a:r>
               <a:rPr lang="en-US" dirty="0" smtClean="0"/>
-              <a:t>Authenticate User (not documented)</a:t>
-            </a:r>
-          </a:p>
-          <a:p>
-            <a:pPr marL="0" indent="0">
-              <a:buNone/>
-            </a:pPr>
+              <a:t>Document and code management – </a:t>
+            </a:r>
+            <a:r>
+              <a:rPr lang="en-US" dirty="0" err="1" smtClean="0"/>
+              <a:t>GitHub</a:t>
+            </a:r>
             <a:r>
               <a:rPr lang="en-US" dirty="0" smtClean="0"/>
-              <a:t>Actors: visitor, existing user, web administrator, website system, web moderator</a:t>
+              <a:t>, </a:t>
+            </a:r>
+            <a:r>
+              <a:rPr lang="en-US" dirty="0" err="1" smtClean="0"/>
+              <a:t>SourceTree</a:t>
             </a:r>
             <a:endParaRPr lang="en-US" dirty="0"/>
+          </a:p>
+          <a:p>
+            <a:r>
+              <a:rPr lang="en-US" dirty="0" smtClean="0"/>
+              <a:t>General communication – text messages, email</a:t>
+            </a:r>
           </a:p>
         </p:txBody>
       </p:sp>
     </p:spTree>
     <p:extLst>
       <p:ext uri="{BB962C8B-B14F-4D97-AF65-F5344CB8AC3E}">
-        <p14:creationId xmlns:p14="http://schemas.microsoft.com/office/powerpoint/2010/main" val="3766802642"/>
+        <p14:creationId xmlns:p14="http://schemas.microsoft.com/office/powerpoint/2010/main" val="2421862057"/>
       </p:ext>
     </p:extLst>
   </p:cSld>
@@ -14619,7 +15250,7 @@
           <a:p>
             <a:r>
               <a:rPr lang="en-US" dirty="0" smtClean="0"/>
-              <a:t>Website</a:t>
+              <a:t>Links</a:t>
             </a:r>
             <a:endParaRPr lang="en-US" dirty="0"/>
           </a:p>
@@ -14635,51 +15266,77 @@
             <p:ph idx="1"/>
           </p:nvPr>
         </p:nvSpPr>
-        <p:spPr>
-          <a:xfrm>
-            <a:off x="1043492" y="2323652"/>
-            <a:ext cx="7024742" cy="3508977"/>
-          </a:xfrm>
-        </p:spPr>
+        <p:spPr/>
         <p:txBody>
           <a:bodyPr/>
           <a:lstStyle/>
           <a:p>
             <a:r>
-              <a:rPr lang="en-US" dirty="0" smtClean="0"/>
-              <a:t>Developed with notepad++</a:t>
-            </a:r>
-          </a:p>
-          <a:p>
-            <a:r>
-              <a:rPr lang="en-US" dirty="0" smtClean="0"/>
-              <a:t>Written in HTML, CSS, JavaScript, PHP, MySQL</a:t>
-            </a:r>
-          </a:p>
-          <a:p>
-            <a:r>
-              <a:rPr lang="en-US" dirty="0" smtClean="0"/>
-              <a:t>Deployed on FAU LAMP server</a:t>
-            </a:r>
-          </a:p>
-          <a:p>
-            <a:r>
-              <a:rPr lang="en-US" dirty="0" smtClean="0"/>
-              <a:t>Templates from Bootstrap</a:t>
-            </a:r>
-          </a:p>
-          <a:p>
-            <a:r>
-              <a:rPr lang="en-US" dirty="0" smtClean="0"/>
-              <a:t>Optimized for desktop browsers, mobile responsive</a:t>
-            </a:r>
+              <a:rPr lang="en-US" dirty="0"/>
+              <a:t>Project home page: </a:t>
+            </a:r>
+            <a:r>
+              <a:rPr lang="en-US" dirty="0">
+                <a:hlinkClick r:id="rId2"/>
+              </a:rPr>
+              <a:t>http://lamp.cse.fau.edu/~fariasc2013/pseproject2/</a:t>
+            </a:r>
+            <a:r>
+              <a:rPr lang="en-US" dirty="0" smtClean="0">
+                <a:hlinkClick r:id="rId2"/>
+              </a:rPr>
+              <a:t>index.php</a:t>
+            </a:r>
+            <a:endParaRPr lang="en-US" dirty="0" smtClean="0"/>
+          </a:p>
+          <a:p>
+            <a:r>
+              <a:rPr lang="en-US" dirty="0" err="1"/>
+              <a:t>GitHub</a:t>
+            </a:r>
+            <a:r>
+              <a:rPr lang="en-US" dirty="0"/>
+              <a:t>: </a:t>
+            </a:r>
+            <a:r>
+              <a:rPr lang="en-US" dirty="0">
+                <a:hlinkClick r:id="rId3"/>
+              </a:rPr>
+              <a:t>https://github.com/Ninjinkai/Couch-Level-</a:t>
+            </a:r>
+            <a:r>
+              <a:rPr lang="en-US" dirty="0" smtClean="0">
+                <a:hlinkClick r:id="rId3"/>
+              </a:rPr>
+              <a:t>Project</a:t>
+            </a:r>
+            <a:endParaRPr lang="en-US" dirty="0" smtClean="0"/>
+          </a:p>
+          <a:p>
+            <a:r>
+              <a:rPr lang="en-US" dirty="0"/>
+              <a:t>Someone: </a:t>
+            </a:r>
+            <a:r>
+              <a:rPr lang="en-US" dirty="0">
+                <a:hlinkClick r:id="rId4"/>
+              </a:rPr>
+              <a:t>https://</a:t>
+            </a:r>
+            <a:r>
+              <a:rPr lang="en-US" dirty="0" err="1">
+                <a:hlinkClick r:id="rId4"/>
+              </a:rPr>
+              <a:t>couchlevel.someone.io</a:t>
+            </a:r>
+            <a:endParaRPr lang="en-US" dirty="0" smtClean="0"/>
           </a:p>
         </p:txBody>
       </p:sp>
     </p:spTree>
     <p:extLst>
       <p:ext uri="{BB962C8B-B14F-4D97-AF65-F5344CB8AC3E}">
-        <p14:creationId xmlns:p14="http://schemas.microsoft.com/office/powerpoint/2010/main" val="3195189528"/>
+        <p14:creationId xmlns:p14="http://schemas.microsoft.com/office/powerpoint/2010/main" val="3552488642"/>
       </p:ext>
     </p:extLst>
   </p:cSld>
@@ -14720,34 +15377,270 @@
             <a:spLocks noGrp="1"/>
           </p:cNvSpPr>
           <p:nvPr>
-            <p:ph type="ctrTitle"/>
+            <p:ph type="title"/>
+          </p:nvPr>
+        </p:nvSpPr>
+        <p:spPr/>
+        <p:txBody>
+          <a:bodyPr/>
+          <a:lstStyle/>
+          <a:p>
+            <a:r>
+              <a:rPr lang="en-US" dirty="0" smtClean="0"/>
+              <a:t>UI Design</a:t>
+            </a:r>
+            <a:endParaRPr lang="en-US" dirty="0"/>
+          </a:p>
+        </p:txBody>
+      </p:sp>
+      <p:sp>
+        <p:nvSpPr>
+          <p:cNvPr id="3" name="Content Placeholder 2"/>
+          <p:cNvSpPr>
+            <a:spLocks noGrp="1"/>
+          </p:cNvSpPr>
+          <p:nvPr>
+            <p:ph idx="1"/>
           </p:nvPr>
         </p:nvSpPr>
         <p:spPr>
           <a:xfrm>
-            <a:off x="4666672" y="780274"/>
-            <a:ext cx="3471851" cy="1427235"/>
+            <a:off x="1043490" y="2323653"/>
+            <a:ext cx="7024744" cy="2425016"/>
           </a:xfrm>
         </p:spPr>
         <p:txBody>
-          <a:bodyPr>
-            <a:normAutofit/>
-          </a:bodyPr>
+          <a:bodyPr/>
           <a:lstStyle/>
           <a:p>
-            <a:pPr algn="ctr"/>
-            <a:r>
-              <a:rPr lang="en-US" sz="4800" dirty="0" smtClean="0"/>
-              <a:t>Thank you</a:t>
-            </a:r>
-            <a:endParaRPr lang="en-US" sz="4800" dirty="0"/>
+            <a:r>
+              <a:rPr lang="en-US" dirty="0" smtClean="0"/>
+              <a:t>Layout tool – </a:t>
+            </a:r>
+            <a:r>
+              <a:rPr lang="en-US" dirty="0" err="1" smtClean="0"/>
+              <a:t>Balsamiq</a:t>
+            </a:r>
+            <a:endParaRPr lang="en-US" dirty="0" smtClean="0"/>
+          </a:p>
+          <a:p>
+            <a:r>
+              <a:rPr lang="en-US" dirty="0" smtClean="0"/>
+              <a:t>Color scheme – green, grey, white</a:t>
+            </a:r>
+          </a:p>
+          <a:p>
+            <a:r>
+              <a:rPr lang="en-US" dirty="0" smtClean="0"/>
+              <a:t>Simple – most usage done in one page view</a:t>
+            </a:r>
+            <a:endParaRPr lang="en-US" dirty="0"/>
+          </a:p>
+        </p:txBody>
+      </p:sp>
+      <p:pic>
+        <p:nvPicPr>
+          <p:cNvPr id="4" name="Picture 3"/>
+          <p:cNvPicPr>
+            <a:picLocks noChangeAspect="1"/>
+          </p:cNvPicPr>
+          <p:nvPr/>
+        </p:nvPicPr>
+        <p:blipFill rotWithShape="1">
+          <a:blip r:embed="rId2"/>
+          <a:srcRect r="29537"/>
+          <a:stretch/>
+        </p:blipFill>
+        <p:spPr>
+          <a:xfrm>
+            <a:off x="1043490" y="4005117"/>
+            <a:ext cx="2524619" cy="2293882"/>
+          </a:xfrm>
+          <a:prstGeom prst="rect">
+            <a:avLst/>
+          </a:prstGeom>
+        </p:spPr>
+      </p:pic>
+      <p:sp>
+        <p:nvSpPr>
+          <p:cNvPr id="6" name="Right Arrow 5"/>
+          <p:cNvSpPr/>
+          <p:nvPr/>
+        </p:nvSpPr>
+        <p:spPr>
+          <a:xfrm>
+            <a:off x="3987239" y="4748668"/>
+            <a:ext cx="822960" cy="822960"/>
+          </a:xfrm>
+          <a:prstGeom prst="rightArrow">
+            <a:avLst/>
+          </a:prstGeom>
+          <a:ln/>
+        </p:spPr>
+        <p:style>
+          <a:lnRef idx="1">
+            <a:schemeClr val="accent1"/>
+          </a:lnRef>
+          <a:fillRef idx="3">
+            <a:schemeClr val="accent1"/>
+          </a:fillRef>
+          <a:effectRef idx="2">
+            <a:schemeClr val="accent1"/>
+          </a:effectRef>
+          <a:fontRef idx="minor">
+            <a:schemeClr val="lt1"/>
+          </a:fontRef>
+        </p:style>
+        <p:txBody>
+          <a:bodyPr/>
+          <a:lstStyle/>
+          <a:p>
+            <a:endParaRPr lang="en-US"/>
+          </a:p>
+        </p:txBody>
+      </p:sp>
+      <p:pic>
+        <p:nvPicPr>
+          <p:cNvPr id="8" name="Picture 7"/>
+          <p:cNvPicPr>
+            <a:picLocks noChangeAspect="1"/>
+          </p:cNvPicPr>
+          <p:nvPr/>
+        </p:nvPicPr>
+        <p:blipFill rotWithShape="1">
+          <a:blip r:embed="rId3"/>
+          <a:srcRect l="6098" t="14664" r="31521" b="7942"/>
+          <a:stretch/>
+        </p:blipFill>
+        <p:spPr>
+          <a:xfrm>
+            <a:off x="5109940" y="4005117"/>
+            <a:ext cx="2958294" cy="2293882"/>
+          </a:xfrm>
+          <a:prstGeom prst="rect">
+            <a:avLst/>
+          </a:prstGeom>
+        </p:spPr>
+      </p:pic>
+    </p:spTree>
+    <p:extLst>
+      <p:ext uri="{BB962C8B-B14F-4D97-AF65-F5344CB8AC3E}">
+        <p14:creationId xmlns:p14="http://schemas.microsoft.com/office/powerpoint/2010/main" val="1432855580"/>
+      </p:ext>
+    </p:extLst>
+  </p:cSld>
+  <p:clrMapOvr>
+    <a:masterClrMapping/>
+  </p:clrMapOvr>
+  <p:timing>
+    <p:tnLst>
+      <p:par>
+        <p:cTn xmlns:p14="http://schemas.microsoft.com/office/powerpoint/2010/main" id="1" dur="indefinite" restart="never" nodeType="tmRoot"/>
+      </p:par>
+    </p:tnLst>
+  </p:timing>
+</p:sld>
+</file>
+
+<file path=ppt/slides/slide9.xml><?xml version="1.0" encoding="utf-8"?>
+<p:sld xmlns:a="http://schemas.openxmlformats.org/drawingml/2006/main" xmlns:r="http://schemas.openxmlformats.org/officeDocument/2006/relationships" xmlns:p="http://schemas.openxmlformats.org/presentationml/2006/main">
+  <p:cSld>
+    <p:spTree>
+      <p:nvGrpSpPr>
+        <p:cNvPr id="1" name=""/>
+        <p:cNvGrpSpPr/>
+        <p:nvPr/>
+      </p:nvGrpSpPr>
+      <p:grpSpPr>
+        <a:xfrm>
+          <a:off x="0" y="0"/>
+          <a:ext cx="0" cy="0"/>
+          <a:chOff x="0" y="0"/>
+          <a:chExt cx="0" cy="0"/>
+        </a:xfrm>
+      </p:grpSpPr>
+      <p:sp>
+        <p:nvSpPr>
+          <p:cNvPr id="2" name="Title 1"/>
+          <p:cNvSpPr>
+            <a:spLocks noGrp="1"/>
+          </p:cNvSpPr>
+          <p:nvPr>
+            <p:ph type="title"/>
+          </p:nvPr>
+        </p:nvSpPr>
+        <p:spPr/>
+        <p:txBody>
+          <a:bodyPr/>
+          <a:lstStyle/>
+          <a:p>
+            <a:r>
+              <a:rPr lang="en-US" dirty="0" smtClean="0"/>
+              <a:t>Use Cases</a:t>
+            </a:r>
+            <a:endParaRPr lang="en-US" dirty="0"/>
+          </a:p>
+        </p:txBody>
+      </p:sp>
+      <p:sp>
+        <p:nvSpPr>
+          <p:cNvPr id="3" name="Content Placeholder 2"/>
+          <p:cNvSpPr>
+            <a:spLocks noGrp="1"/>
+          </p:cNvSpPr>
+          <p:nvPr>
+            <p:ph idx="1"/>
+          </p:nvPr>
+        </p:nvSpPr>
+        <p:spPr>
+          <a:xfrm>
+            <a:off x="1043492" y="2323652"/>
+            <a:ext cx="7024742" cy="3508977"/>
+          </a:xfrm>
+        </p:spPr>
+        <p:txBody>
+          <a:bodyPr/>
+          <a:lstStyle/>
+          <a:p>
+            <a:r>
+              <a:rPr lang="en-US" dirty="0" smtClean="0"/>
+              <a:t>Make an Account</a:t>
+            </a:r>
+          </a:p>
+          <a:p>
+            <a:r>
+              <a:rPr lang="en-US" dirty="0" smtClean="0"/>
+              <a:t>Join Event</a:t>
+            </a:r>
+          </a:p>
+          <a:p>
+            <a:r>
+              <a:rPr lang="en-US" dirty="0" smtClean="0"/>
+              <a:t>Create Event</a:t>
+            </a:r>
+          </a:p>
+          <a:p>
+            <a:r>
+              <a:rPr lang="en-US" dirty="0" smtClean="0"/>
+              <a:t>Authenticate User (not documented)</a:t>
+            </a:r>
+          </a:p>
+          <a:p>
+            <a:pPr marL="0" indent="0">
+              <a:buNone/>
+            </a:pPr>
+            <a:r>
+              <a:rPr lang="en-US" dirty="0" smtClean="0"/>
+              <a:t>Actors: visitor, existing user, web administrator, website system, web moderator</a:t>
+            </a:r>
+            <a:endParaRPr lang="en-US" dirty="0"/>
           </a:p>
         </p:txBody>
       </p:sp>
     </p:spTree>
     <p:extLst>
       <p:ext uri="{BB962C8B-B14F-4D97-AF65-F5344CB8AC3E}">
-        <p14:creationId xmlns:p14="http://schemas.microsoft.com/office/powerpoint/2010/main" val="4203645052"/>
+        <p14:creationId xmlns:p14="http://schemas.microsoft.com/office/powerpoint/2010/main" val="3766802642"/>
       </p:ext>
     </p:extLst>
   </p:cSld>

--- a/Final_Presentation.pptx
+++ b/Final_Presentation.pptx
@@ -2877,7 +2877,7 @@
           <a:p>
             <a:fld id="{66811FC8-8AB3-864F-867F-D949727E84CF}" type="datetimeFigureOut">
               <a:rPr lang="en-US" smtClean="0"/>
-              <a:t>7/29/15</a:t>
+              <a:t>7/30/15</a:t>
             </a:fld>
             <a:endParaRPr lang="en-US"/>
           </a:p>
@@ -3163,7 +3163,7 @@
           <a:p>
             <a:fld id="{66811FC8-8AB3-864F-867F-D949727E84CF}" type="datetimeFigureOut">
               <a:rPr lang="en-US" smtClean="0"/>
-              <a:t>7/29/15</a:t>
+              <a:t>7/30/15</a:t>
             </a:fld>
             <a:endParaRPr lang="en-US"/>
           </a:p>
@@ -3338,7 +3338,7 @@
           <a:p>
             <a:fld id="{66811FC8-8AB3-864F-867F-D949727E84CF}" type="datetimeFigureOut">
               <a:rPr lang="en-US" smtClean="0"/>
-              <a:t>7/29/15</a:t>
+              <a:t>7/30/15</a:t>
             </a:fld>
             <a:endParaRPr lang="en-US"/>
           </a:p>
@@ -3503,7 +3503,7 @@
           <a:p>
             <a:fld id="{66811FC8-8AB3-864F-867F-D949727E84CF}" type="datetimeFigureOut">
               <a:rPr lang="en-US" smtClean="0"/>
-              <a:t>7/29/15</a:t>
+              <a:t>7/30/15</a:t>
             </a:fld>
             <a:endParaRPr lang="en-US"/>
           </a:p>
@@ -3744,7 +3744,7 @@
           <a:p>
             <a:fld id="{66811FC8-8AB3-864F-867F-D949727E84CF}" type="datetimeFigureOut">
               <a:rPr lang="en-US" smtClean="0"/>
-              <a:t>7/29/15</a:t>
+              <a:t>7/30/15</a:t>
             </a:fld>
             <a:endParaRPr lang="en-US"/>
           </a:p>
@@ -3857,7 +3857,7 @@
           <a:p>
             <a:fld id="{66811FC8-8AB3-864F-867F-D949727E84CF}" type="datetimeFigureOut">
               <a:rPr lang="en-US" smtClean="0"/>
-              <a:t>7/29/15</a:t>
+              <a:t>7/30/15</a:t>
             </a:fld>
             <a:endParaRPr lang="en-US"/>
           </a:p>
@@ -4396,7 +4396,7 @@
           <a:p>
             <a:fld id="{66811FC8-8AB3-864F-867F-D949727E84CF}" type="datetimeFigureOut">
               <a:rPr lang="en-US" smtClean="0"/>
-              <a:t>7/29/15</a:t>
+              <a:t>7/30/15</a:t>
             </a:fld>
             <a:endParaRPr lang="en-US"/>
           </a:p>
@@ -4509,7 +4509,7 @@
           <a:p>
             <a:fld id="{66811FC8-8AB3-864F-867F-D949727E84CF}" type="datetimeFigureOut">
               <a:rPr lang="en-US" smtClean="0"/>
-              <a:t>7/29/15</a:t>
+              <a:t>7/30/15</a:t>
             </a:fld>
             <a:endParaRPr lang="en-US"/>
           </a:p>
@@ -4599,7 +4599,7 @@
           <a:p>
             <a:fld id="{66811FC8-8AB3-864F-867F-D949727E84CF}" type="datetimeFigureOut">
               <a:rPr lang="en-US" smtClean="0"/>
-              <a:t>7/29/15</a:t>
+              <a:t>7/30/15</a:t>
             </a:fld>
             <a:endParaRPr lang="en-US"/>
           </a:p>
@@ -7250,7 +7250,7 @@
           <a:p>
             <a:fld id="{66811FC8-8AB3-864F-867F-D949727E84CF}" type="datetimeFigureOut">
               <a:rPr lang="en-US" smtClean="0"/>
-              <a:t>7/29/15</a:t>
+              <a:t>7/30/15</a:t>
             </a:fld>
             <a:endParaRPr lang="en-US"/>
           </a:p>
@@ -10463,7 +10463,7 @@
           <a:p>
             <a:fld id="{66811FC8-8AB3-864F-867F-D949727E84CF}" type="datetimeFigureOut">
               <a:rPr lang="en-US" smtClean="0"/>
-              <a:t>7/29/15</a:t>
+              <a:t>7/30/15</a:t>
             </a:fld>
             <a:endParaRPr lang="en-US"/>
           </a:p>
@@ -13285,7 +13285,7 @@
           <a:p>
             <a:fld id="{66811FC8-8AB3-864F-867F-D949727E84CF}" type="datetimeFigureOut">
               <a:rPr lang="en-US" smtClean="0"/>
-              <a:t>7/29/15</a:t>
+              <a:t>7/30/15</a:t>
             </a:fld>
             <a:endParaRPr lang="en-US"/>
           </a:p>
@@ -14100,12 +14100,19 @@
         </p:spPr>
         <p:txBody>
           <a:bodyPr>
-            <a:normAutofit lnSpcReduction="10000"/>
+            <a:normAutofit fontScale="92500" lnSpcReduction="10000"/>
           </a:bodyPr>
           <a:lstStyle/>
           <a:p>
             <a:r>
-              <a:rPr lang="en-US" dirty="0"/>
+              <a:rPr lang="en-US" smtClean="0"/>
+              <a:t>Documentation</a:t>
+            </a:r>
+            <a:endParaRPr lang="en-US" smtClean="0"/>
+          </a:p>
+          <a:p>
+            <a:r>
+              <a:rPr lang="en-US" dirty="0" smtClean="0"/>
               <a:t>Product </a:t>
             </a:r>
             <a:r>
@@ -14577,7 +14584,6 @@
               <a:rPr lang="en-US" dirty="0" smtClean="0"/>
               <a:t>Service Overview</a:t>
             </a:r>
-            <a:endParaRPr lang="en-US" dirty="0" smtClean="0"/>
           </a:p>
           <a:p>
             <a:pPr marL="0" indent="0">
@@ -14585,11 +14591,7 @@
             </a:pPr>
             <a:r>
               <a:rPr lang="en-US" dirty="0" smtClean="0"/>
-              <a:t>Organizational </a:t>
-            </a:r>
-            <a:r>
-              <a:rPr lang="en-US" dirty="0" smtClean="0"/>
-              <a:t>Tools</a:t>
+              <a:t>Organizational Tools</a:t>
             </a:r>
           </a:p>
           <a:p>
@@ -14600,7 +14602,6 @@
               <a:rPr lang="en-US" dirty="0" smtClean="0"/>
               <a:t>Links</a:t>
             </a:r>
-            <a:endParaRPr lang="en-US" dirty="0" smtClean="0"/>
           </a:p>
           <a:p>
             <a:pPr marL="0" indent="0">
@@ -14655,7 +14656,6 @@
               <a:rPr lang="en-US" dirty="0" smtClean="0"/>
               <a:t>What We’ve Learned</a:t>
             </a:r>
-            <a:endParaRPr lang="en-US" dirty="0" smtClean="0"/>
           </a:p>
           <a:p>
             <a:pPr marL="457200" indent="-457200"/>
@@ -14921,27 +14921,7 @@
           <a:p>
             <a:r>
               <a:rPr lang="en-US" dirty="0" smtClean="0"/>
-              <a:t>Our competitive advantage is our </a:t>
-            </a:r>
-            <a:r>
-              <a:rPr lang="en-US" dirty="0" smtClean="0"/>
-              <a:t>focused feature, ease </a:t>
-            </a:r>
-            <a:r>
-              <a:rPr lang="en-US" dirty="0" smtClean="0"/>
-              <a:t>of </a:t>
-            </a:r>
-            <a:r>
-              <a:rPr lang="en-US" dirty="0" smtClean="0"/>
-              <a:t>use, </a:t>
-            </a:r>
-            <a:r>
-              <a:rPr lang="en-US" dirty="0" smtClean="0"/>
-              <a:t>and controlled event visibility</a:t>
-            </a:r>
-            <a:r>
-              <a:rPr lang="en-US" dirty="0" smtClean="0"/>
-              <a:t>.</a:t>
+              <a:t>Our competitive advantage is our focused feature, ease of use, and controlled event visibility.</a:t>
             </a:r>
           </a:p>
           <a:p>
@@ -14953,7 +14933,6 @@
               <a:rPr lang="en-US" dirty="0" smtClean="0"/>
               <a:t>his service targets active adults and requires little technical skill.</a:t>
             </a:r>
-            <a:endParaRPr lang="en-US" dirty="0" smtClean="0"/>
           </a:p>
           <a:p>
             <a:pPr marL="0" indent="0">
@@ -15161,13 +15140,8 @@
             </a:r>
             <a:r>
               <a:rPr lang="en-US" dirty="0" smtClean="0"/>
-              <a:t> – </a:t>
-            </a:r>
-            <a:r>
-              <a:rPr lang="en-US" dirty="0" smtClean="0"/>
-              <a:t>Someone</a:t>
-            </a:r>
-            <a:endParaRPr lang="en-US" dirty="0" smtClean="0"/>
+              <a:t> – Someone</a:t>
+            </a:r>
           </a:p>
           <a:p>
             <a:r>
